--- a/R4.ML_Regression/figs/Figs.pptx
+++ b/R4.ML_Regression/figs/Figs.pptx
@@ -155,10 +155,9 @@
           </a:lstStyle>
           <a:p>
             <a:r>
-              <a:rPr lang="en-US" smtClean="0"/>
+              <a:rPr lang="en-US"/>
               <a:t>Click to edit Master title style</a:t>
             </a:r>
-            <a:endParaRPr lang="en-US"/>
           </a:p>
         </p:txBody>
       </p:sp>
@@ -220,10 +219,9 @@
           </a:lstStyle>
           <a:p>
             <a:r>
-              <a:rPr lang="en-US" smtClean="0"/>
+              <a:rPr lang="en-US"/>
               <a:t>Click to edit Master subtitle style</a:t>
             </a:r>
-            <a:endParaRPr lang="en-US"/>
           </a:p>
         </p:txBody>
       </p:sp>
@@ -244,7 +242,7 @@
           <a:p>
             <a:fld id="{CD89D5C7-A9AF-F84A-990C-55E12C397535}" type="datetimeFigureOut">
               <a:rPr lang="en-US" smtClean="0"/>
-              <a:t>9/23/16</a:t>
+              <a:t>9/18/18</a:t>
             </a:fld>
             <a:endParaRPr lang="en-US"/>
           </a:p>
@@ -286,7 +284,7 @@
           <a:p>
             <a:fld id="{1C0E6429-86E0-0741-829F-E6032BED7E0C}" type="slidenum">
               <a:rPr lang="en-US" smtClean="0"/>
-              <a:t>‹#›</a:t>
+              <a:t>‹Nº›</a:t>
             </a:fld>
             <a:endParaRPr lang="en-US"/>
           </a:p>
@@ -338,10 +336,9 @@
           <a:lstStyle/>
           <a:p>
             <a:r>
-              <a:rPr lang="en-US" smtClean="0"/>
+              <a:rPr lang="en-US"/>
               <a:t>Click to edit Master title style</a:t>
             </a:r>
-            <a:endParaRPr lang="en-US"/>
           </a:p>
         </p:txBody>
       </p:sp>
@@ -362,38 +359,37 @@
           <a:p>
             <a:pPr lvl="0"/>
             <a:r>
-              <a:rPr lang="en-US" smtClean="0"/>
+              <a:rPr lang="en-US"/>
               <a:t>Click to edit Master text styles</a:t>
             </a:r>
           </a:p>
           <a:p>
             <a:pPr lvl="1"/>
             <a:r>
-              <a:rPr lang="en-US" smtClean="0"/>
+              <a:rPr lang="en-US"/>
               <a:t>Second level</a:t>
             </a:r>
           </a:p>
           <a:p>
             <a:pPr lvl="2"/>
             <a:r>
-              <a:rPr lang="en-US" smtClean="0"/>
+              <a:rPr lang="en-US"/>
               <a:t>Third level</a:t>
             </a:r>
           </a:p>
           <a:p>
             <a:pPr lvl="3"/>
             <a:r>
-              <a:rPr lang="en-US" smtClean="0"/>
+              <a:rPr lang="en-US"/>
               <a:t>Fourth level</a:t>
             </a:r>
           </a:p>
           <a:p>
             <a:pPr lvl="4"/>
             <a:r>
-              <a:rPr lang="en-US" smtClean="0"/>
+              <a:rPr lang="en-US"/>
               <a:t>Fifth level</a:t>
             </a:r>
-            <a:endParaRPr lang="en-US"/>
           </a:p>
         </p:txBody>
       </p:sp>
@@ -414,7 +410,7 @@
           <a:p>
             <a:fld id="{CD89D5C7-A9AF-F84A-990C-55E12C397535}" type="datetimeFigureOut">
               <a:rPr lang="en-US" smtClean="0"/>
-              <a:t>9/23/16</a:t>
+              <a:t>9/18/18</a:t>
             </a:fld>
             <a:endParaRPr lang="en-US"/>
           </a:p>
@@ -456,7 +452,7 @@
           <a:p>
             <a:fld id="{1C0E6429-86E0-0741-829F-E6032BED7E0C}" type="slidenum">
               <a:rPr lang="en-US" smtClean="0"/>
-              <a:t>‹#›</a:t>
+              <a:t>‹Nº›</a:t>
             </a:fld>
             <a:endParaRPr lang="en-US"/>
           </a:p>
@@ -513,10 +509,9 @@
           <a:lstStyle/>
           <a:p>
             <a:r>
-              <a:rPr lang="en-US" smtClean="0"/>
+              <a:rPr lang="en-US"/>
               <a:t>Click to edit Master title style</a:t>
             </a:r>
-            <a:endParaRPr lang="en-US"/>
           </a:p>
         </p:txBody>
       </p:sp>
@@ -542,38 +537,37 @@
           <a:p>
             <a:pPr lvl="0"/>
             <a:r>
-              <a:rPr lang="en-US" smtClean="0"/>
+              <a:rPr lang="en-US"/>
               <a:t>Click to edit Master text styles</a:t>
             </a:r>
           </a:p>
           <a:p>
             <a:pPr lvl="1"/>
             <a:r>
-              <a:rPr lang="en-US" smtClean="0"/>
+              <a:rPr lang="en-US"/>
               <a:t>Second level</a:t>
             </a:r>
           </a:p>
           <a:p>
             <a:pPr lvl="2"/>
             <a:r>
-              <a:rPr lang="en-US" smtClean="0"/>
+              <a:rPr lang="en-US"/>
               <a:t>Third level</a:t>
             </a:r>
           </a:p>
           <a:p>
             <a:pPr lvl="3"/>
             <a:r>
-              <a:rPr lang="en-US" smtClean="0"/>
+              <a:rPr lang="en-US"/>
               <a:t>Fourth level</a:t>
             </a:r>
           </a:p>
           <a:p>
             <a:pPr lvl="4"/>
             <a:r>
-              <a:rPr lang="en-US" smtClean="0"/>
+              <a:rPr lang="en-US"/>
               <a:t>Fifth level</a:t>
             </a:r>
-            <a:endParaRPr lang="en-US"/>
           </a:p>
         </p:txBody>
       </p:sp>
@@ -594,7 +588,7 @@
           <a:p>
             <a:fld id="{CD89D5C7-A9AF-F84A-990C-55E12C397535}" type="datetimeFigureOut">
               <a:rPr lang="en-US" smtClean="0"/>
-              <a:t>9/23/16</a:t>
+              <a:t>9/18/18</a:t>
             </a:fld>
             <a:endParaRPr lang="en-US"/>
           </a:p>
@@ -636,7 +630,7 @@
           <a:p>
             <a:fld id="{1C0E6429-86E0-0741-829F-E6032BED7E0C}" type="slidenum">
               <a:rPr lang="en-US" smtClean="0"/>
-              <a:t>‹#›</a:t>
+              <a:t>‹Nº›</a:t>
             </a:fld>
             <a:endParaRPr lang="en-US"/>
           </a:p>
@@ -688,10 +682,9 @@
           <a:lstStyle/>
           <a:p>
             <a:r>
-              <a:rPr lang="en-US" smtClean="0"/>
+              <a:rPr lang="en-US"/>
               <a:t>Click to edit Master title style</a:t>
             </a:r>
-            <a:endParaRPr lang="en-US"/>
           </a:p>
         </p:txBody>
       </p:sp>
@@ -712,38 +705,37 @@
           <a:p>
             <a:pPr lvl="0"/>
             <a:r>
-              <a:rPr lang="en-US" smtClean="0"/>
+              <a:rPr lang="en-US"/>
               <a:t>Click to edit Master text styles</a:t>
             </a:r>
           </a:p>
           <a:p>
             <a:pPr lvl="1"/>
             <a:r>
-              <a:rPr lang="en-US" smtClean="0"/>
+              <a:rPr lang="en-US"/>
               <a:t>Second level</a:t>
             </a:r>
           </a:p>
           <a:p>
             <a:pPr lvl="2"/>
             <a:r>
-              <a:rPr lang="en-US" smtClean="0"/>
+              <a:rPr lang="en-US"/>
               <a:t>Third level</a:t>
             </a:r>
           </a:p>
           <a:p>
             <a:pPr lvl="3"/>
             <a:r>
-              <a:rPr lang="en-US" smtClean="0"/>
+              <a:rPr lang="en-US"/>
               <a:t>Fourth level</a:t>
             </a:r>
           </a:p>
           <a:p>
             <a:pPr lvl="4"/>
             <a:r>
-              <a:rPr lang="en-US" smtClean="0"/>
+              <a:rPr lang="en-US"/>
               <a:t>Fifth level</a:t>
             </a:r>
-            <a:endParaRPr lang="en-US"/>
           </a:p>
         </p:txBody>
       </p:sp>
@@ -764,7 +756,7 @@
           <a:p>
             <a:fld id="{CD89D5C7-A9AF-F84A-990C-55E12C397535}" type="datetimeFigureOut">
               <a:rPr lang="en-US" smtClean="0"/>
-              <a:t>9/23/16</a:t>
+              <a:t>9/18/18</a:t>
             </a:fld>
             <a:endParaRPr lang="en-US"/>
           </a:p>
@@ -806,7 +798,7 @@
           <a:p>
             <a:fld id="{1C0E6429-86E0-0741-829F-E6032BED7E0C}" type="slidenum">
               <a:rPr lang="en-US" smtClean="0"/>
-              <a:t>‹#›</a:t>
+              <a:t>‹Nº›</a:t>
             </a:fld>
             <a:endParaRPr lang="en-US"/>
           </a:p>
@@ -867,10 +859,9 @@
           </a:lstStyle>
           <a:p>
             <a:r>
-              <a:rPr lang="en-US" smtClean="0"/>
+              <a:rPr lang="en-US"/>
               <a:t>Click to edit Master title style</a:t>
             </a:r>
-            <a:endParaRPr lang="en-US"/>
           </a:p>
         </p:txBody>
       </p:sp>
@@ -987,7 +978,7 @@
           <a:p>
             <a:pPr lvl="0"/>
             <a:r>
-              <a:rPr lang="en-US" smtClean="0"/>
+              <a:rPr lang="en-US"/>
               <a:t>Click to edit Master text styles</a:t>
             </a:r>
           </a:p>
@@ -1010,7 +1001,7 @@
           <a:p>
             <a:fld id="{CD89D5C7-A9AF-F84A-990C-55E12C397535}" type="datetimeFigureOut">
               <a:rPr lang="en-US" smtClean="0"/>
-              <a:t>9/23/16</a:t>
+              <a:t>9/18/18</a:t>
             </a:fld>
             <a:endParaRPr lang="en-US"/>
           </a:p>
@@ -1052,7 +1043,7 @@
           <a:p>
             <a:fld id="{1C0E6429-86E0-0741-829F-E6032BED7E0C}" type="slidenum">
               <a:rPr lang="en-US" smtClean="0"/>
-              <a:t>‹#›</a:t>
+              <a:t>‹Nº›</a:t>
             </a:fld>
             <a:endParaRPr lang="en-US"/>
           </a:p>
@@ -1104,10 +1095,9 @@
           <a:lstStyle/>
           <a:p>
             <a:r>
-              <a:rPr lang="en-US" smtClean="0"/>
+              <a:rPr lang="en-US"/>
               <a:t>Click to edit Master title style</a:t>
             </a:r>
-            <a:endParaRPr lang="en-US"/>
           </a:p>
         </p:txBody>
       </p:sp>
@@ -1133,38 +1123,37 @@
           <a:p>
             <a:pPr lvl="0"/>
             <a:r>
-              <a:rPr lang="en-US" smtClean="0"/>
+              <a:rPr lang="en-US"/>
               <a:t>Click to edit Master text styles</a:t>
             </a:r>
           </a:p>
           <a:p>
             <a:pPr lvl="1"/>
             <a:r>
-              <a:rPr lang="en-US" smtClean="0"/>
+              <a:rPr lang="en-US"/>
               <a:t>Second level</a:t>
             </a:r>
           </a:p>
           <a:p>
             <a:pPr lvl="2"/>
             <a:r>
-              <a:rPr lang="en-US" smtClean="0"/>
+              <a:rPr lang="en-US"/>
               <a:t>Third level</a:t>
             </a:r>
           </a:p>
           <a:p>
             <a:pPr lvl="3"/>
             <a:r>
-              <a:rPr lang="en-US" smtClean="0"/>
+              <a:rPr lang="en-US"/>
               <a:t>Fourth level</a:t>
             </a:r>
           </a:p>
           <a:p>
             <a:pPr lvl="4"/>
             <a:r>
-              <a:rPr lang="en-US" smtClean="0"/>
+              <a:rPr lang="en-US"/>
               <a:t>Fifth level</a:t>
             </a:r>
-            <a:endParaRPr lang="en-US"/>
           </a:p>
         </p:txBody>
       </p:sp>
@@ -1190,38 +1179,37 @@
           <a:p>
             <a:pPr lvl="0"/>
             <a:r>
-              <a:rPr lang="en-US" smtClean="0"/>
+              <a:rPr lang="en-US"/>
               <a:t>Click to edit Master text styles</a:t>
             </a:r>
           </a:p>
           <a:p>
             <a:pPr lvl="1"/>
             <a:r>
-              <a:rPr lang="en-US" smtClean="0"/>
+              <a:rPr lang="en-US"/>
               <a:t>Second level</a:t>
             </a:r>
           </a:p>
           <a:p>
             <a:pPr lvl="2"/>
             <a:r>
-              <a:rPr lang="en-US" smtClean="0"/>
+              <a:rPr lang="en-US"/>
               <a:t>Third level</a:t>
             </a:r>
           </a:p>
           <a:p>
             <a:pPr lvl="3"/>
             <a:r>
-              <a:rPr lang="en-US" smtClean="0"/>
+              <a:rPr lang="en-US"/>
               <a:t>Fourth level</a:t>
             </a:r>
           </a:p>
           <a:p>
             <a:pPr lvl="4"/>
             <a:r>
-              <a:rPr lang="en-US" smtClean="0"/>
+              <a:rPr lang="en-US"/>
               <a:t>Fifth level</a:t>
             </a:r>
-            <a:endParaRPr lang="en-US"/>
           </a:p>
         </p:txBody>
       </p:sp>
@@ -1242,7 +1230,7 @@
           <a:p>
             <a:fld id="{CD89D5C7-A9AF-F84A-990C-55E12C397535}" type="datetimeFigureOut">
               <a:rPr lang="en-US" smtClean="0"/>
-              <a:t>9/23/16</a:t>
+              <a:t>9/18/18</a:t>
             </a:fld>
             <a:endParaRPr lang="en-US"/>
           </a:p>
@@ -1284,7 +1272,7 @@
           <a:p>
             <a:fld id="{1C0E6429-86E0-0741-829F-E6032BED7E0C}" type="slidenum">
               <a:rPr lang="en-US" smtClean="0"/>
-              <a:t>‹#›</a:t>
+              <a:t>‹Nº›</a:t>
             </a:fld>
             <a:endParaRPr lang="en-US"/>
           </a:p>
@@ -1341,10 +1329,9 @@
           <a:lstStyle/>
           <a:p>
             <a:r>
-              <a:rPr lang="en-US" smtClean="0"/>
+              <a:rPr lang="en-US"/>
               <a:t>Click to edit Master title style</a:t>
             </a:r>
-            <a:endParaRPr lang="en-US"/>
           </a:p>
         </p:txBody>
       </p:sp>
@@ -1407,7 +1394,7 @@
           <a:p>
             <a:pPr lvl="0"/>
             <a:r>
-              <a:rPr lang="en-US" smtClean="0"/>
+              <a:rPr lang="en-US"/>
               <a:t>Click to edit Master text styles</a:t>
             </a:r>
           </a:p>
@@ -1435,38 +1422,37 @@
           <a:p>
             <a:pPr lvl="0"/>
             <a:r>
-              <a:rPr lang="en-US" smtClean="0"/>
+              <a:rPr lang="en-US"/>
               <a:t>Click to edit Master text styles</a:t>
             </a:r>
           </a:p>
           <a:p>
             <a:pPr lvl="1"/>
             <a:r>
-              <a:rPr lang="en-US" smtClean="0"/>
+              <a:rPr lang="en-US"/>
               <a:t>Second level</a:t>
             </a:r>
           </a:p>
           <a:p>
             <a:pPr lvl="2"/>
             <a:r>
-              <a:rPr lang="en-US" smtClean="0"/>
+              <a:rPr lang="en-US"/>
               <a:t>Third level</a:t>
             </a:r>
           </a:p>
           <a:p>
             <a:pPr lvl="3"/>
             <a:r>
-              <a:rPr lang="en-US" smtClean="0"/>
+              <a:rPr lang="en-US"/>
               <a:t>Fourth level</a:t>
             </a:r>
           </a:p>
           <a:p>
             <a:pPr lvl="4"/>
             <a:r>
-              <a:rPr lang="en-US" smtClean="0"/>
+              <a:rPr lang="en-US"/>
               <a:t>Fifth level</a:t>
             </a:r>
-            <a:endParaRPr lang="en-US"/>
           </a:p>
         </p:txBody>
       </p:sp>
@@ -1529,7 +1515,7 @@
           <a:p>
             <a:pPr lvl="0"/>
             <a:r>
-              <a:rPr lang="en-US" smtClean="0"/>
+              <a:rPr lang="en-US"/>
               <a:t>Click to edit Master text styles</a:t>
             </a:r>
           </a:p>
@@ -1557,38 +1543,37 @@
           <a:p>
             <a:pPr lvl="0"/>
             <a:r>
-              <a:rPr lang="en-US" smtClean="0"/>
+              <a:rPr lang="en-US"/>
               <a:t>Click to edit Master text styles</a:t>
             </a:r>
           </a:p>
           <a:p>
             <a:pPr lvl="1"/>
             <a:r>
-              <a:rPr lang="en-US" smtClean="0"/>
+              <a:rPr lang="en-US"/>
               <a:t>Second level</a:t>
             </a:r>
           </a:p>
           <a:p>
             <a:pPr lvl="2"/>
             <a:r>
-              <a:rPr lang="en-US" smtClean="0"/>
+              <a:rPr lang="en-US"/>
               <a:t>Third level</a:t>
             </a:r>
           </a:p>
           <a:p>
             <a:pPr lvl="3"/>
             <a:r>
-              <a:rPr lang="en-US" smtClean="0"/>
+              <a:rPr lang="en-US"/>
               <a:t>Fourth level</a:t>
             </a:r>
           </a:p>
           <a:p>
             <a:pPr lvl="4"/>
             <a:r>
-              <a:rPr lang="en-US" smtClean="0"/>
+              <a:rPr lang="en-US"/>
               <a:t>Fifth level</a:t>
             </a:r>
-            <a:endParaRPr lang="en-US"/>
           </a:p>
         </p:txBody>
       </p:sp>
@@ -1609,7 +1594,7 @@
           <a:p>
             <a:fld id="{CD89D5C7-A9AF-F84A-990C-55E12C397535}" type="datetimeFigureOut">
               <a:rPr lang="en-US" smtClean="0"/>
-              <a:t>9/23/16</a:t>
+              <a:t>9/18/18</a:t>
             </a:fld>
             <a:endParaRPr lang="en-US"/>
           </a:p>
@@ -1651,7 +1636,7 @@
           <a:p>
             <a:fld id="{1C0E6429-86E0-0741-829F-E6032BED7E0C}" type="slidenum">
               <a:rPr lang="en-US" smtClean="0"/>
-              <a:t>‹#›</a:t>
+              <a:t>‹Nº›</a:t>
             </a:fld>
             <a:endParaRPr lang="en-US"/>
           </a:p>
@@ -1703,10 +1688,9 @@
           <a:lstStyle/>
           <a:p>
             <a:r>
-              <a:rPr lang="en-US" smtClean="0"/>
+              <a:rPr lang="en-US"/>
               <a:t>Click to edit Master title style</a:t>
             </a:r>
-            <a:endParaRPr lang="en-US"/>
           </a:p>
         </p:txBody>
       </p:sp>
@@ -1727,7 +1711,7 @@
           <a:p>
             <a:fld id="{CD89D5C7-A9AF-F84A-990C-55E12C397535}" type="datetimeFigureOut">
               <a:rPr lang="en-US" smtClean="0"/>
-              <a:t>9/23/16</a:t>
+              <a:t>9/18/18</a:t>
             </a:fld>
             <a:endParaRPr lang="en-US"/>
           </a:p>
@@ -1769,7 +1753,7 @@
           <a:p>
             <a:fld id="{1C0E6429-86E0-0741-829F-E6032BED7E0C}" type="slidenum">
               <a:rPr lang="en-US" smtClean="0"/>
-              <a:t>‹#›</a:t>
+              <a:t>‹Nº›</a:t>
             </a:fld>
             <a:endParaRPr lang="en-US"/>
           </a:p>
@@ -1822,7 +1806,7 @@
           <a:p>
             <a:fld id="{CD89D5C7-A9AF-F84A-990C-55E12C397535}" type="datetimeFigureOut">
               <a:rPr lang="en-US" smtClean="0"/>
-              <a:t>9/23/16</a:t>
+              <a:t>9/18/18</a:t>
             </a:fld>
             <a:endParaRPr lang="en-US"/>
           </a:p>
@@ -1864,7 +1848,7 @@
           <a:p>
             <a:fld id="{1C0E6429-86E0-0741-829F-E6032BED7E0C}" type="slidenum">
               <a:rPr lang="en-US" smtClean="0"/>
-              <a:t>‹#›</a:t>
+              <a:t>‹Nº›</a:t>
             </a:fld>
             <a:endParaRPr lang="en-US"/>
           </a:p>
@@ -1925,10 +1909,9 @@
           </a:lstStyle>
           <a:p>
             <a:r>
-              <a:rPr lang="en-US" smtClean="0"/>
+              <a:rPr lang="en-US"/>
               <a:t>Click to edit Master title style</a:t>
             </a:r>
-            <a:endParaRPr lang="en-US"/>
           </a:p>
         </p:txBody>
       </p:sp>
@@ -1982,38 +1965,37 @@
           <a:p>
             <a:pPr lvl="0"/>
             <a:r>
-              <a:rPr lang="en-US" smtClean="0"/>
+              <a:rPr lang="en-US"/>
               <a:t>Click to edit Master text styles</a:t>
             </a:r>
           </a:p>
           <a:p>
             <a:pPr lvl="1"/>
             <a:r>
-              <a:rPr lang="en-US" smtClean="0"/>
+              <a:rPr lang="en-US"/>
               <a:t>Second level</a:t>
             </a:r>
           </a:p>
           <a:p>
             <a:pPr lvl="2"/>
             <a:r>
-              <a:rPr lang="en-US" smtClean="0"/>
+              <a:rPr lang="en-US"/>
               <a:t>Third level</a:t>
             </a:r>
           </a:p>
           <a:p>
             <a:pPr lvl="3"/>
             <a:r>
-              <a:rPr lang="en-US" smtClean="0"/>
+              <a:rPr lang="en-US"/>
               <a:t>Fourth level</a:t>
             </a:r>
           </a:p>
           <a:p>
             <a:pPr lvl="4"/>
             <a:r>
-              <a:rPr lang="en-US" smtClean="0"/>
+              <a:rPr lang="en-US"/>
               <a:t>Fifth level</a:t>
             </a:r>
-            <a:endParaRPr lang="en-US"/>
           </a:p>
         </p:txBody>
       </p:sp>
@@ -2076,7 +2058,7 @@
           <a:p>
             <a:pPr lvl="0"/>
             <a:r>
-              <a:rPr lang="en-US" smtClean="0"/>
+              <a:rPr lang="en-US"/>
               <a:t>Click to edit Master text styles</a:t>
             </a:r>
           </a:p>
@@ -2099,7 +2081,7 @@
           <a:p>
             <a:fld id="{CD89D5C7-A9AF-F84A-990C-55E12C397535}" type="datetimeFigureOut">
               <a:rPr lang="en-US" smtClean="0"/>
-              <a:t>9/23/16</a:t>
+              <a:t>9/18/18</a:t>
             </a:fld>
             <a:endParaRPr lang="en-US"/>
           </a:p>
@@ -2141,7 +2123,7 @@
           <a:p>
             <a:fld id="{1C0E6429-86E0-0741-829F-E6032BED7E0C}" type="slidenum">
               <a:rPr lang="en-US" smtClean="0"/>
-              <a:t>‹#›</a:t>
+              <a:t>‹Nº›</a:t>
             </a:fld>
             <a:endParaRPr lang="en-US"/>
           </a:p>
@@ -2202,10 +2184,9 @@
           </a:lstStyle>
           <a:p>
             <a:r>
-              <a:rPr lang="en-US" smtClean="0"/>
+              <a:rPr lang="en-US"/>
               <a:t>Click to edit Master title style</a:t>
             </a:r>
-            <a:endParaRPr lang="en-US"/>
           </a:p>
         </p:txBody>
       </p:sp>
@@ -2329,7 +2310,7 @@
           <a:p>
             <a:pPr lvl="0"/>
             <a:r>
-              <a:rPr lang="en-US" smtClean="0"/>
+              <a:rPr lang="en-US"/>
               <a:t>Click to edit Master text styles</a:t>
             </a:r>
           </a:p>
@@ -2352,7 +2333,7 @@
           <a:p>
             <a:fld id="{CD89D5C7-A9AF-F84A-990C-55E12C397535}" type="datetimeFigureOut">
               <a:rPr lang="en-US" smtClean="0"/>
-              <a:t>9/23/16</a:t>
+              <a:t>9/18/18</a:t>
             </a:fld>
             <a:endParaRPr lang="en-US"/>
           </a:p>
@@ -2394,7 +2375,7 @@
           <a:p>
             <a:fld id="{1C0E6429-86E0-0741-829F-E6032BED7E0C}" type="slidenum">
               <a:rPr lang="en-US" smtClean="0"/>
-              <a:t>‹#›</a:t>
+              <a:t>‹Nº›</a:t>
             </a:fld>
             <a:endParaRPr lang="en-US"/>
           </a:p>
@@ -2461,10 +2442,9 @@
           <a:lstStyle/>
           <a:p>
             <a:r>
-              <a:rPr lang="en-US" smtClean="0"/>
+              <a:rPr lang="en-US"/>
               <a:t>Click to edit Master title style</a:t>
             </a:r>
-            <a:endParaRPr lang="en-US"/>
           </a:p>
         </p:txBody>
       </p:sp>
@@ -2495,38 +2475,37 @@
           <a:p>
             <a:pPr lvl="0"/>
             <a:r>
-              <a:rPr lang="en-US" smtClean="0"/>
+              <a:rPr lang="en-US"/>
               <a:t>Click to edit Master text styles</a:t>
             </a:r>
           </a:p>
           <a:p>
             <a:pPr lvl="1"/>
             <a:r>
-              <a:rPr lang="en-US" smtClean="0"/>
+              <a:rPr lang="en-US"/>
               <a:t>Second level</a:t>
             </a:r>
           </a:p>
           <a:p>
             <a:pPr lvl="2"/>
             <a:r>
-              <a:rPr lang="en-US" smtClean="0"/>
+              <a:rPr lang="en-US"/>
               <a:t>Third level</a:t>
             </a:r>
           </a:p>
           <a:p>
             <a:pPr lvl="3"/>
             <a:r>
-              <a:rPr lang="en-US" smtClean="0"/>
+              <a:rPr lang="en-US"/>
               <a:t>Fourth level</a:t>
             </a:r>
           </a:p>
           <a:p>
             <a:pPr lvl="4"/>
             <a:r>
-              <a:rPr lang="en-US" smtClean="0"/>
+              <a:rPr lang="en-US"/>
               <a:t>Fifth level</a:t>
             </a:r>
-            <a:endParaRPr lang="en-US"/>
           </a:p>
         </p:txBody>
       </p:sp>
@@ -2565,7 +2544,7 @@
           <a:p>
             <a:fld id="{CD89D5C7-A9AF-F84A-990C-55E12C397535}" type="datetimeFigureOut">
               <a:rPr lang="en-US" smtClean="0"/>
-              <a:t>9/23/16</a:t>
+              <a:t>9/18/18</a:t>
             </a:fld>
             <a:endParaRPr lang="en-US"/>
           </a:p>
@@ -2643,7 +2622,7 @@
           <a:p>
             <a:fld id="{1C0E6429-86E0-0741-829F-E6032BED7E0C}" type="slidenum">
               <a:rPr lang="en-US" smtClean="0"/>
-              <a:t>‹#›</a:t>
+              <a:t>‹Nº›</a:t>
             </a:fld>
             <a:endParaRPr lang="en-US"/>
           </a:p>
@@ -3027,14 +3006,11 @@
             <a:p>
               <a:pPr algn="ctr"/>
               <a:r>
-                <a:rPr lang="en-US" dirty="0" smtClean="0">
+                <a:rPr lang="en-US" dirty="0">
                   <a:latin typeface="Apple Chancery" charset="0"/>
                 </a:rPr>
                 <a:t>D</a:t>
               </a:r>
-              <a:endParaRPr lang="en-US" dirty="0">
-                <a:latin typeface="Apple Chancery" charset="0"/>
-              </a:endParaRPr>
             </a:p>
           </p:txBody>
         </p:sp>
@@ -3080,44 +3056,41 @@
             <a:p>
               <a:pPr algn="ctr"/>
               <a:r>
-                <a:rPr lang="en-US" i="1" dirty="0" smtClean="0">
+                <a:rPr lang="en-US" i="1" dirty="0">
                   <a:latin typeface="Times New Roman" charset="0"/>
                 </a:rPr>
                 <a:t>p</a:t>
               </a:r>
               <a:r>
-                <a:rPr lang="en-US" dirty="0" smtClean="0">
+                <a:rPr lang="en-US" dirty="0">
                   <a:latin typeface="Times New Roman" charset="0"/>
                 </a:rPr>
                 <a:t>(</a:t>
               </a:r>
               <a:r>
-                <a:rPr lang="en-US" b="1" dirty="0" smtClean="0">
+                <a:rPr lang="en-US" b="1" dirty="0">
                   <a:latin typeface="Times New Roman" charset="0"/>
                 </a:rPr>
                 <a:t>x</a:t>
               </a:r>
               <a:r>
-                <a:rPr lang="en-US" dirty="0" smtClean="0">
+                <a:rPr lang="en-US" dirty="0">
                   <a:latin typeface="Times New Roman" charset="0"/>
                 </a:rPr>
                 <a:t>, </a:t>
               </a:r>
               <a:r>
-                <a:rPr lang="en-US" i="1" dirty="0" smtClean="0">
+                <a:rPr lang="en-US" i="1" dirty="0">
                   <a:latin typeface="Times New Roman" charset="0"/>
                 </a:rPr>
                 <a:t>s</a:t>
               </a:r>
               <a:r>
-                <a:rPr lang="en-US" dirty="0" smtClean="0">
+                <a:rPr lang="en-US" dirty="0">
                   <a:latin typeface="Times New Roman" charset="0"/>
                 </a:rPr>
                 <a:t>)</a:t>
               </a:r>
-              <a:endParaRPr lang="en-US" dirty="0">
-                <a:latin typeface="Times New Roman" charset="0"/>
-              </a:endParaRPr>
             </a:p>
           </p:txBody>
         </p:sp>
@@ -3186,13 +3159,8 @@
             <a:p>
               <a:r>
                 <a:rPr lang="en-US" sz="1600" dirty="0"/>
-                <a:t>Unknown </a:t>
+                <a:t>Probability model</a:t>
               </a:r>
-              <a:r>
-                <a:rPr lang="en-US" sz="1600" dirty="0" smtClean="0"/>
-                <a:t>model</a:t>
-              </a:r>
-              <a:endParaRPr lang="en-US" sz="1600" dirty="0"/>
             </a:p>
           </p:txBody>
         </p:sp>
@@ -3219,10 +3187,9 @@
             <a:lstStyle/>
             <a:p>
               <a:r>
-                <a:rPr lang="en-US" sz="1600" dirty="0" smtClean="0"/>
+                <a:rPr lang="en-US" sz="1600" dirty="0"/>
                 <a:t>Data</a:t>
               </a:r>
-              <a:endParaRPr lang="en-US" sz="1600" dirty="0"/>
             </a:p>
           </p:txBody>
         </p:sp>
@@ -3237,13 +3204,6 @@
   <p:clrMapOvr>
     <a:masterClrMapping/>
   </p:clrMapOvr>
-  <p:timing>
-    <p:tnLst>
-      <p:par>
-        <p:cTn id="1" dur="indefinite" restart="never" nodeType="tmRoot"/>
-      </p:par>
-    </p:tnLst>
-  </p:timing>
 </p:sld>
 </file>
 
@@ -3321,14 +3281,11 @@
             <a:p>
               <a:pPr algn="ctr"/>
               <a:r>
-                <a:rPr lang="en-US" dirty="0" smtClean="0">
+                <a:rPr lang="en-US" dirty="0">
                   <a:latin typeface="Apple Chancery" charset="0"/>
                 </a:rPr>
                 <a:t>D</a:t>
               </a:r>
-              <a:endParaRPr lang="en-US" dirty="0">
-                <a:latin typeface="Apple Chancery" charset="0"/>
-              </a:endParaRPr>
             </a:p>
           </p:txBody>
         </p:sp>
@@ -3374,10 +3331,9 @@
             <a:p>
               <a:pPr algn="ctr"/>
               <a:r>
-                <a:rPr lang="en-US" dirty="0" smtClean="0"/>
+                <a:rPr lang="en-US" dirty="0"/>
                 <a:t>Model estimation</a:t>
               </a:r>
-              <a:endParaRPr lang="en-US" dirty="0"/>
             </a:p>
           </p:txBody>
         </p:sp>
@@ -3445,7 +3401,7 @@
             <a:lstStyle/>
             <a:p>
               <a:r>
-                <a:rPr lang="en-US" smtClean="0"/>
+                <a:rPr lang="en-US"/>
                 <a:t>Training Data</a:t>
               </a:r>
               <a:endParaRPr lang="en-US" dirty="0"/>
@@ -3494,15 +3450,15 @@
             <a:p>
               <a:pPr algn="ctr"/>
               <a:r>
-                <a:rPr lang="en-US" smtClean="0"/>
+                <a:rPr lang="en-US"/>
                 <a:t>Predictor</a:t>
               </a:r>
               <a:endParaRPr lang="en-US" dirty="0"/>
             </a:p>
           </p:txBody>
         </p:sp>
-        <mc:AlternateContent xmlns:mc="http://schemas.openxmlformats.org/markup-compatibility/2006">
-          <mc:Choice xmlns:a14="http://schemas.microsoft.com/office/drawing/2010/main" Requires="a14">
+        <mc:AlternateContent xmlns:mc="http://schemas.openxmlformats.org/markup-compatibility/2006" xmlns:a14="http://schemas.microsoft.com/office/drawing/2010/main">
+          <mc:Choice Requires="a14">
             <p:sp>
               <p:nvSpPr>
                 <p:cNvPr id="36" name="TextBox 35"/>
@@ -3525,6 +3481,7 @@
                 </a:bodyPr>
                 <a:lstStyle/>
                 <a:p>
+                  <a:pPr/>
                   <a14:m>
                     <m:oMathPara xmlns:m="http://schemas.openxmlformats.org/officeDocument/2006/math">
                       <m:oMathParaPr>
@@ -3551,7 +3508,7 @@
               </p:txBody>
             </p:sp>
           </mc:Choice>
-          <mc:Fallback>
+          <mc:Fallback xmlns="">
             <p:sp>
               <p:nvSpPr>
                 <p:cNvPr id="36" name="TextBox 35"/>
@@ -3631,8 +3588,8 @@
             </a:fontRef>
           </p:style>
         </p:cxnSp>
-        <mc:AlternateContent xmlns:mc="http://schemas.openxmlformats.org/markup-compatibility/2006">
-          <mc:Choice xmlns:a14="http://schemas.microsoft.com/office/drawing/2010/main" Requires="a14">
+        <mc:AlternateContent xmlns:mc="http://schemas.openxmlformats.org/markup-compatibility/2006" xmlns:a14="http://schemas.microsoft.com/office/drawing/2010/main">
+          <mc:Choice Requires="a14">
             <p:sp>
               <p:nvSpPr>
                 <p:cNvPr id="40" name="TextBox 39"/>
@@ -3655,6 +3612,7 @@
                 </a:bodyPr>
                 <a:lstStyle/>
                 <a:p>
+                  <a:pPr/>
                   <a14:m>
                     <m:oMathPara xmlns:m="http://schemas.openxmlformats.org/officeDocument/2006/math">
                       <m:oMathParaPr>
@@ -3666,7 +3624,7 @@
                             <m:chr m:val="̂"/>
                             <m:ctrlPr>
                               <a:rPr lang="es-ES" b="0" i="1" smtClean="0">
-                                <a:latin typeface="Cambria Math" charset="0"/>
+                                <a:latin typeface="Cambria Math" panose="02040503050406030204" pitchFamily="18" charset="0"/>
                                 <a:ea typeface="Times New Roman" charset="0"/>
                                 <a:cs typeface="Times New Roman" charset="0"/>
                               </a:rPr>
@@ -3695,7 +3653,7 @@
               </p:txBody>
             </p:sp>
           </mc:Choice>
-          <mc:Fallback>
+          <mc:Fallback xmlns="">
             <p:sp>
               <p:nvSpPr>
                 <p:cNvPr id="40" name="TextBox 39"/>
@@ -3816,8 +3774,8 @@
             </a:fontRef>
           </p:style>
         </p:cxnSp>
-        <mc:AlternateContent xmlns:mc="http://schemas.openxmlformats.org/markup-compatibility/2006">
-          <mc:Choice xmlns:a14="http://schemas.microsoft.com/office/drawing/2010/main" Requires="a14">
+        <mc:AlternateContent xmlns:mc="http://schemas.openxmlformats.org/markup-compatibility/2006" xmlns:a14="http://schemas.microsoft.com/office/drawing/2010/main">
+          <mc:Choice Requires="a14">
             <p:sp>
               <p:nvSpPr>
                 <p:cNvPr id="56" name="TextBox 55"/>
@@ -3840,6 +3798,7 @@
                 </a:bodyPr>
                 <a:lstStyle/>
                 <a:p>
+                  <a:pPr/>
                   <a14:m>
                     <m:oMathPara xmlns:m="http://schemas.openxmlformats.org/officeDocument/2006/math">
                       <m:oMathParaPr>
@@ -3851,7 +3810,7 @@
                             <m:chr m:val="̂"/>
                             <m:ctrlPr>
                               <a:rPr lang="es-ES" b="0" i="1" smtClean="0">
-                                <a:latin typeface="Cambria Math" charset="0"/>
+                                <a:latin typeface="Cambria Math" panose="02040503050406030204" pitchFamily="18" charset="0"/>
                                 <a:ea typeface="Times New Roman" charset="0"/>
                                 <a:cs typeface="Times New Roman" charset="0"/>
                               </a:rPr>
@@ -3872,7 +3831,7 @@
                           <m:dPr>
                             <m:ctrlPr>
                               <a:rPr lang="is-IS" b="0" i="1" smtClean="0">
-                                <a:latin typeface="Cambria Math" charset="0"/>
+                                <a:latin typeface="Cambria Math" panose="02040503050406030204" pitchFamily="18" charset="0"/>
                                 <a:ea typeface="Times New Roman" charset="0"/>
                                 <a:cs typeface="Times New Roman" charset="0"/>
                               </a:rPr>
@@ -3917,7 +3876,7 @@
               </p:txBody>
             </p:sp>
           </mc:Choice>
-          <mc:Fallback>
+          <mc:Fallback xmlns="">
             <p:sp>
               <p:nvSpPr>
                 <p:cNvPr id="56" name="TextBox 55"/>
@@ -4014,14 +3973,11 @@
             <a:p>
               <a:pPr algn="ctr"/>
               <a:r>
-                <a:rPr lang="en-US" dirty="0" smtClean="0">
+                <a:rPr lang="en-US" dirty="0">
                   <a:latin typeface="Apple Chancery" charset="0"/>
                 </a:rPr>
                 <a:t>D</a:t>
               </a:r>
-              <a:endParaRPr lang="en-US" dirty="0">
-                <a:latin typeface="Apple Chancery" charset="0"/>
-              </a:endParaRPr>
             </a:p>
           </p:txBody>
         </p:sp>
@@ -4067,14 +4023,9 @@
             <a:p>
               <a:pPr algn="ctr"/>
               <a:r>
-                <a:rPr lang="en-US" dirty="0" smtClean="0"/>
-                <a:t>Parametric m</a:t>
+                <a:rPr lang="en-US" dirty="0"/>
+                <a:t>Parametric model estimation</a:t>
               </a:r>
-              <a:r>
-                <a:rPr lang="en-US" dirty="0" smtClean="0"/>
-                <a:t>odel estimation</a:t>
-              </a:r>
-              <a:endParaRPr lang="en-US" dirty="0"/>
             </a:p>
           </p:txBody>
         </p:sp>
@@ -4139,7 +4090,7 @@
             <a:lstStyle/>
             <a:p>
               <a:r>
-                <a:rPr lang="en-US" smtClean="0"/>
+                <a:rPr lang="en-US"/>
                 <a:t>Training Data</a:t>
               </a:r>
               <a:endParaRPr lang="en-US" dirty="0"/>
@@ -4188,15 +4139,15 @@
             <a:p>
               <a:pPr algn="ctr"/>
               <a:r>
-                <a:rPr lang="en-US" smtClean="0"/>
+                <a:rPr lang="en-US"/>
                 <a:t>Predictor</a:t>
               </a:r>
               <a:endParaRPr lang="en-US" dirty="0"/>
             </a:p>
           </p:txBody>
         </p:sp>
-        <mc:AlternateContent xmlns:mc="http://schemas.openxmlformats.org/markup-compatibility/2006">
-          <mc:Choice xmlns:a14="http://schemas.microsoft.com/office/drawing/2010/main" Requires="a14">
+        <mc:AlternateContent xmlns:mc="http://schemas.openxmlformats.org/markup-compatibility/2006" xmlns:a14="http://schemas.microsoft.com/office/drawing/2010/main">
+          <mc:Choice Requires="a14">
             <p:sp>
               <p:nvSpPr>
                 <p:cNvPr id="93" name="TextBox 92"/>
@@ -4219,6 +4170,7 @@
                 </a:bodyPr>
                 <a:lstStyle/>
                 <a:p>
+                  <a:pPr/>
                   <a14:m>
                     <m:oMathPara xmlns:m="http://schemas.openxmlformats.org/officeDocument/2006/math">
                       <m:oMathParaPr>
@@ -4245,7 +4197,7 @@
               </p:txBody>
             </p:sp>
           </mc:Choice>
-          <mc:Fallback>
+          <mc:Fallback xmlns="">
             <p:sp>
               <p:nvSpPr>
                 <p:cNvPr id="93" name="TextBox 92"/>
@@ -4322,8 +4274,8 @@
             </a:fontRef>
           </p:style>
         </p:cxnSp>
-        <mc:AlternateContent xmlns:mc="http://schemas.openxmlformats.org/markup-compatibility/2006">
-          <mc:Choice xmlns:a14="http://schemas.microsoft.com/office/drawing/2010/main" Requires="a14">
+        <mc:AlternateContent xmlns:mc="http://schemas.openxmlformats.org/markup-compatibility/2006" xmlns:a14="http://schemas.microsoft.com/office/drawing/2010/main">
+          <mc:Choice Requires="a14">
             <p:sp>
               <p:nvSpPr>
                 <p:cNvPr id="95" name="TextBox 94"/>
@@ -4346,6 +4298,7 @@
                 </a:bodyPr>
                 <a:lstStyle/>
                 <a:p>
+                  <a:pPr/>
                   <a14:m>
                     <m:oMathPara xmlns:m="http://schemas.openxmlformats.org/officeDocument/2006/math">
                       <m:oMathParaPr>
@@ -4357,7 +4310,7 @@
                             <m:chr m:val="̂"/>
                             <m:ctrlPr>
                               <a:rPr lang="es-ES" b="0" i="1" smtClean="0">
-                                <a:latin typeface="Cambria Math" charset="0"/>
+                                <a:latin typeface="Cambria Math" panose="02040503050406030204" pitchFamily="18" charset="0"/>
                                 <a:ea typeface="Times New Roman" charset="0"/>
                                 <a:cs typeface="Times New Roman" charset="0"/>
                               </a:rPr>
@@ -4386,7 +4339,7 @@
                           <m:sSubPr>
                             <m:ctrlPr>
                               <a:rPr lang="en-US" b="0" i="1" smtClean="0">
-                                <a:latin typeface="Cambria Math" charset="0"/>
+                                <a:latin typeface="Cambria Math" panose="02040503050406030204" pitchFamily="18" charset="0"/>
                                 <a:ea typeface="Times New Roman" charset="0"/>
                                 <a:cs typeface="Times New Roman" charset="0"/>
                               </a:rPr>
@@ -4417,7 +4370,7 @@
                           <m:dPr>
                             <m:ctrlPr>
                               <a:rPr lang="is-IS" b="0" i="1" smtClean="0">
-                                <a:latin typeface="Cambria Math" charset="0"/>
+                                <a:latin typeface="Cambria Math" panose="02040503050406030204" pitchFamily="18" charset="0"/>
                                 <a:ea typeface="Times New Roman" charset="0"/>
                                 <a:cs typeface="Times New Roman" charset="0"/>
                               </a:rPr>
@@ -4446,7 +4399,7 @@
               </p:txBody>
             </p:sp>
           </mc:Choice>
-          <mc:Fallback>
+          <mc:Fallback xmlns="">
             <p:sp>
               <p:nvSpPr>
                 <p:cNvPr id="95" name="TextBox 94"/>
@@ -4561,8 +4514,8 @@
             </a:fontRef>
           </p:style>
         </p:cxnSp>
-        <mc:AlternateContent xmlns:mc="http://schemas.openxmlformats.org/markup-compatibility/2006">
-          <mc:Choice xmlns:a14="http://schemas.microsoft.com/office/drawing/2010/main" Requires="a14">
+        <mc:AlternateContent xmlns:mc="http://schemas.openxmlformats.org/markup-compatibility/2006" xmlns:a14="http://schemas.microsoft.com/office/drawing/2010/main">
+          <mc:Choice Requires="a14">
             <p:sp>
               <p:nvSpPr>
                 <p:cNvPr id="98" name="TextBox 97"/>
@@ -4585,6 +4538,7 @@
                 </a:bodyPr>
                 <a:lstStyle/>
                 <a:p>
+                  <a:pPr/>
                   <a14:m>
                     <m:oMathPara xmlns:m="http://schemas.openxmlformats.org/officeDocument/2006/math">
                       <m:oMathParaPr>
@@ -4596,7 +4550,7 @@
                             <m:chr m:val="̂"/>
                             <m:ctrlPr>
                               <a:rPr lang="es-ES" b="0" i="1" smtClean="0">
-                                <a:latin typeface="Cambria Math" charset="0"/>
+                                <a:latin typeface="Cambria Math" panose="02040503050406030204" pitchFamily="18" charset="0"/>
                                 <a:ea typeface="Times New Roman" charset="0"/>
                                 <a:cs typeface="Times New Roman" charset="0"/>
                               </a:rPr>
@@ -4625,7 +4579,7 @@
               </p:txBody>
             </p:sp>
           </mc:Choice>
-          <mc:Fallback>
+          <mc:Fallback xmlns="">
             <p:sp>
               <p:nvSpPr>
                 <p:cNvPr id="98" name="TextBox 97"/>
